--- a/figures/CoreConceptsArchitecture.pptx
+++ b/figures/CoreConceptsArchitecture.pptx
@@ -504,7 +504,7 @@
           <a:bodyPr/>
           <a:lstStyle/>
           <a:p>
-            <a:endParaRPr lang="en-US"/>
+            <a:endParaRPr lang="en-US" dirty="0"/>
           </a:p>
         </p:txBody>
       </p:sp>
@@ -4066,7 +4066,20 @@
                 <a:latin typeface="Avenir Book"/>
                 <a:cs typeface="Avenir Book"/>
               </a:rPr>
-              <a:t>Core Concepts </a:t>
+              <a:t>Core </a:t>
+            </a:r>
+            <a:r>
+              <a:rPr lang="en-US" sz="1200" dirty="0" smtClean="0">
+                <a:solidFill>
+                  <a:schemeClr val="tx1">
+                    <a:lumMod val="85000"/>
+                    <a:lumOff val="15000"/>
+                  </a:schemeClr>
+                </a:solidFill>
+                <a:latin typeface="Avenir Book"/>
+                <a:cs typeface="Avenir Book"/>
+              </a:rPr>
+              <a:t>Concept </a:t>
             </a:r>
             <a:r>
               <a:rPr lang="en-US" sz="1200" dirty="0">
@@ -4129,7 +4142,7 @@
         <p:spPr>
           <a:xfrm>
             <a:off x="231003" y="266484"/>
-            <a:ext cx="764677" cy="497840"/>
+            <a:ext cx="895870" cy="497840"/>
           </a:xfrm>
           <a:prstGeom prst="rect">
             <a:avLst/>
@@ -4189,7 +4202,7 @@
         </p:nvSpPr>
         <p:spPr>
           <a:xfrm>
-            <a:off x="1136037" y="266484"/>
+            <a:off x="1279209" y="266484"/>
             <a:ext cx="975503" cy="497840"/>
           </a:xfrm>
           <a:prstGeom prst="rect">
@@ -4250,8 +4263,8 @@
         </p:nvSpPr>
         <p:spPr>
           <a:xfrm>
-            <a:off x="3383281" y="266484"/>
-            <a:ext cx="946420" cy="497840"/>
+            <a:off x="3495925" y="266484"/>
+            <a:ext cx="833776" cy="497840"/>
           </a:xfrm>
           <a:prstGeom prst="rect">
             <a:avLst/>
@@ -4311,7 +4324,7 @@
         </p:nvSpPr>
         <p:spPr>
           <a:xfrm>
-            <a:off x="2251897" y="266484"/>
+            <a:off x="2395446" y="266484"/>
             <a:ext cx="991027" cy="497840"/>
           </a:xfrm>
           <a:prstGeom prst="rect">
@@ -4373,7 +4386,7 @@
         <p:spPr>
           <a:xfrm>
             <a:off x="4502902" y="266484"/>
-            <a:ext cx="1586877" cy="497840"/>
+            <a:ext cx="2080778" cy="497840"/>
           </a:xfrm>
           <a:prstGeom prst="rect">
             <a:avLst/>
@@ -4423,21 +4436,18 @@
                 <a:latin typeface="Avenir Book"/>
                 <a:cs typeface="Avenir Book"/>
               </a:rPr>
-              <a:t>Application </a:t>
-            </a:r>
-            <a:r>
-              <a:rPr lang="en-US" sz="1400" dirty="0">
-                <a:solidFill>
-                  <a:schemeClr val="tx1">
-                    <a:lumMod val="85000"/>
-                    <a:lumOff val="15000"/>
-                  </a:schemeClr>
-                </a:solidFill>
-                <a:latin typeface="Avenir Book"/>
-                <a:cs typeface="Avenir Book"/>
-              </a:rPr>
-              <a:t>layer</a:t>
-            </a:r>
+              <a:t>Domain questions layer</a:t>
+            </a:r>
+            <a:endParaRPr lang="en-US" sz="1400" dirty="0">
+              <a:solidFill>
+                <a:schemeClr val="tx1">
+                  <a:lumMod val="85000"/>
+                  <a:lumOff val="15000"/>
+                </a:schemeClr>
+              </a:solidFill>
+              <a:latin typeface="Avenir Book"/>
+              <a:cs typeface="Avenir Book"/>
+            </a:endParaRPr>
           </a:p>
           <a:p>
             <a:endParaRPr lang="en-US" sz="1400" dirty="0">

--- a/figures/CoreConceptsArchitecture.pptx
+++ b/figures/CoreConceptsArchitecture.pptx
@@ -107,6 +107,22 @@
       </a:defRPr>
     </a:lvl9pPr>
   </p:defaultTextStyle>
+  <p:extLst>
+    <p:ext uri="{EFAFB233-063F-42B5-8137-9DF3F51BA10A}">
+      <p15:sldGuideLst xmlns:p15="http://schemas.microsoft.com/office/powerpoint/2012/main">
+        <p15:guide id="1" orient="horz" pos="2160">
+          <p15:clr>
+            <a:srgbClr val="A4A3A4"/>
+          </p15:clr>
+        </p15:guide>
+        <p15:guide id="2" pos="2880">
+          <p15:clr>
+            <a:srgbClr val="A4A3A4"/>
+          </p15:clr>
+        </p15:guide>
+      </p15:sldGuideLst>
+    </p:ext>
+  </p:extLst>
 </p:presentation>
 </file>
 
@@ -192,7 +208,7 @@
           <a:p>
             <a:fld id="{C5BD9F15-9E59-5F43-94AD-A757ADA32680}" type="datetimeFigureOut">
               <a:rPr lang="en-US" smtClean="0"/>
-              <a:t>3/12/15</a:t>
+              <a:t>2/23/2017</a:t>
             </a:fld>
             <a:endParaRPr lang="en-US"/>
           </a:p>
@@ -725,7 +741,7 @@
           <a:p>
             <a:fld id="{ADB17419-CFF6-2F46-A8BA-A1B966CC7A62}" type="datetimeFigureOut">
               <a:rPr lang="en-US" smtClean="0"/>
-              <a:t>3/12/15</a:t>
+              <a:t>2/23/2017</a:t>
             </a:fld>
             <a:endParaRPr lang="en-US"/>
           </a:p>
@@ -895,7 +911,7 @@
           <a:p>
             <a:fld id="{ADB17419-CFF6-2F46-A8BA-A1B966CC7A62}" type="datetimeFigureOut">
               <a:rPr lang="en-US" smtClean="0"/>
-              <a:t>3/12/15</a:t>
+              <a:t>2/23/2017</a:t>
             </a:fld>
             <a:endParaRPr lang="en-US"/>
           </a:p>
@@ -1075,7 +1091,7 @@
           <a:p>
             <a:fld id="{ADB17419-CFF6-2F46-A8BA-A1B966CC7A62}" type="datetimeFigureOut">
               <a:rPr lang="en-US" smtClean="0"/>
-              <a:t>3/12/15</a:t>
+              <a:t>2/23/2017</a:t>
             </a:fld>
             <a:endParaRPr lang="en-US"/>
           </a:p>
@@ -1245,7 +1261,7 @@
           <a:p>
             <a:fld id="{ADB17419-CFF6-2F46-A8BA-A1B966CC7A62}" type="datetimeFigureOut">
               <a:rPr lang="en-US" smtClean="0"/>
-              <a:t>3/12/15</a:t>
+              <a:t>2/23/2017</a:t>
             </a:fld>
             <a:endParaRPr lang="en-US"/>
           </a:p>
@@ -1491,7 +1507,7 @@
           <a:p>
             <a:fld id="{ADB17419-CFF6-2F46-A8BA-A1B966CC7A62}" type="datetimeFigureOut">
               <a:rPr lang="en-US" smtClean="0"/>
-              <a:t>3/12/15</a:t>
+              <a:t>2/23/2017</a:t>
             </a:fld>
             <a:endParaRPr lang="en-US"/>
           </a:p>
@@ -1779,7 +1795,7 @@
           <a:p>
             <a:fld id="{ADB17419-CFF6-2F46-A8BA-A1B966CC7A62}" type="datetimeFigureOut">
               <a:rPr lang="en-US" smtClean="0"/>
-              <a:t>3/12/15</a:t>
+              <a:t>2/23/2017</a:t>
             </a:fld>
             <a:endParaRPr lang="en-US"/>
           </a:p>
@@ -2201,7 +2217,7 @@
           <a:p>
             <a:fld id="{ADB17419-CFF6-2F46-A8BA-A1B966CC7A62}" type="datetimeFigureOut">
               <a:rPr lang="en-US" smtClean="0"/>
-              <a:t>3/12/15</a:t>
+              <a:t>2/23/2017</a:t>
             </a:fld>
             <a:endParaRPr lang="en-US"/>
           </a:p>
@@ -2319,7 +2335,7 @@
           <a:p>
             <a:fld id="{ADB17419-CFF6-2F46-A8BA-A1B966CC7A62}" type="datetimeFigureOut">
               <a:rPr lang="en-US" smtClean="0"/>
-              <a:t>3/12/15</a:t>
+              <a:t>2/23/2017</a:t>
             </a:fld>
             <a:endParaRPr lang="en-US"/>
           </a:p>
@@ -2414,7 +2430,7 @@
           <a:p>
             <a:fld id="{ADB17419-CFF6-2F46-A8BA-A1B966CC7A62}" type="datetimeFigureOut">
               <a:rPr lang="en-US" smtClean="0"/>
-              <a:t>3/12/15</a:t>
+              <a:t>2/23/2017</a:t>
             </a:fld>
             <a:endParaRPr lang="en-US"/>
           </a:p>
@@ -2691,7 +2707,7 @@
           <a:p>
             <a:fld id="{ADB17419-CFF6-2F46-A8BA-A1B966CC7A62}" type="datetimeFigureOut">
               <a:rPr lang="en-US" smtClean="0"/>
-              <a:t>3/12/15</a:t>
+              <a:t>2/23/2017</a:t>
             </a:fld>
             <a:endParaRPr lang="en-US"/>
           </a:p>
@@ -2944,7 +2960,7 @@
           <a:p>
             <a:fld id="{ADB17419-CFF6-2F46-A8BA-A1B966CC7A62}" type="datetimeFigureOut">
               <a:rPr lang="en-US" smtClean="0"/>
-              <a:t>3/12/15</a:t>
+              <a:t>2/23/2017</a:t>
             </a:fld>
             <a:endParaRPr lang="en-US"/>
           </a:p>
@@ -3157,7 +3173,7 @@
           <a:p>
             <a:fld id="{ADB17419-CFF6-2F46-A8BA-A1B966CC7A62}" type="datetimeFigureOut">
               <a:rPr lang="en-US" smtClean="0"/>
-              <a:t>3/12/15</a:t>
+              <a:t>2/23/2017</a:t>
             </a:fld>
             <a:endParaRPr lang="en-US"/>
           </a:p>
@@ -3653,16 +3669,6 @@
               </a:rPr>
               <a:t>Data formats</a:t>
             </a:r>
-            <a:endParaRPr lang="en-US" sz="1200" dirty="0">
-              <a:solidFill>
-                <a:schemeClr val="tx1">
-                  <a:lumMod val="85000"/>
-                  <a:lumOff val="15000"/>
-                </a:schemeClr>
-              </a:solidFill>
-              <a:latin typeface="Avenir Book"/>
-              <a:cs typeface="Avenir Book"/>
-            </a:endParaRPr>
           </a:p>
         </p:txBody>
       </p:sp>
@@ -3741,7 +3747,7 @@
         </p:nvSpPr>
         <p:spPr>
           <a:xfrm>
-            <a:off x="1126873" y="922774"/>
+            <a:off x="1149256" y="922774"/>
             <a:ext cx="640088" cy="497840"/>
           </a:xfrm>
           <a:prstGeom prst="rect">
@@ -3810,7 +3816,7 @@
         </p:nvSpPr>
         <p:spPr>
           <a:xfrm>
-            <a:off x="1898154" y="924282"/>
+            <a:off x="1913076" y="924282"/>
             <a:ext cx="685800" cy="497840"/>
           </a:xfrm>
           <a:prstGeom prst="rect">
@@ -3879,7 +3885,7 @@
         </p:nvSpPr>
         <p:spPr>
           <a:xfrm>
-            <a:off x="2715147" y="920710"/>
+            <a:off x="2722608" y="920710"/>
             <a:ext cx="780781" cy="497840"/>
           </a:xfrm>
           <a:prstGeom prst="rect">
@@ -3948,8 +3954,8 @@
         </p:nvSpPr>
         <p:spPr>
           <a:xfrm>
-            <a:off x="231002" y="924282"/>
-            <a:ext cx="764678" cy="497840"/>
+            <a:off x="231001" y="924282"/>
+            <a:ext cx="794523" cy="497840"/>
           </a:xfrm>
           <a:prstGeom prst="rect">
             <a:avLst/>
@@ -4066,20 +4072,7 @@
                 <a:latin typeface="Avenir Book"/>
                 <a:cs typeface="Avenir Book"/>
               </a:rPr>
-              <a:t>Core </a:t>
-            </a:r>
-            <a:r>
-              <a:rPr lang="en-US" sz="1200" dirty="0" smtClean="0">
-                <a:solidFill>
-                  <a:schemeClr val="tx1">
-                    <a:lumMod val="85000"/>
-                    <a:lumOff val="15000"/>
-                  </a:schemeClr>
-                </a:solidFill>
-                <a:latin typeface="Avenir Book"/>
-                <a:cs typeface="Avenir Book"/>
-              </a:rPr>
-              <a:t>Concept </a:t>
+              <a:t>Core Concept </a:t>
             </a:r>
             <a:r>
               <a:rPr lang="en-US" sz="1200" dirty="0">
@@ -4118,7 +4111,33 @@
                 <a:latin typeface="Avenir Book"/>
                 <a:cs typeface="Avenir Book"/>
               </a:rPr>
-              <a:t>(Haskell, Python, RDF, …)</a:t>
+              <a:t>(Haskell, Python, </a:t>
+            </a:r>
+            <a:r>
+              <a:rPr lang="en-US" altLang="zh-CN" sz="1200" dirty="0" smtClean="0">
+                <a:solidFill>
+                  <a:schemeClr val="tx1">
+                    <a:lumMod val="85000"/>
+                    <a:lumOff val="15000"/>
+                  </a:schemeClr>
+                </a:solidFill>
+                <a:latin typeface="Avenir Book"/>
+                <a:cs typeface="Avenir Book"/>
+              </a:rPr>
+              <a:t>JavaScript, </a:t>
+            </a:r>
+            <a:r>
+              <a:rPr lang="en-US" sz="1200" dirty="0" smtClean="0">
+                <a:solidFill>
+                  <a:schemeClr val="tx1">
+                    <a:lumMod val="85000"/>
+                    <a:lumOff val="15000"/>
+                  </a:schemeClr>
+                </a:solidFill>
+                <a:latin typeface="Avenir Book"/>
+                <a:cs typeface="Avenir Book"/>
+              </a:rPr>
+              <a:t>RDF, …)</a:t>
             </a:r>
             <a:endParaRPr lang="en-US" sz="1200" dirty="0">
               <a:solidFill>
@@ -4181,16 +4200,6 @@
               </a:rPr>
               <a:t>Ecology</a:t>
             </a:r>
-            <a:endParaRPr lang="en-US" sz="1200" dirty="0">
-              <a:solidFill>
-                <a:schemeClr val="tx1">
-                  <a:lumMod val="85000"/>
-                  <a:lumOff val="15000"/>
-                </a:schemeClr>
-              </a:solidFill>
-              <a:latin typeface="Avenir Book"/>
-              <a:cs typeface="Avenir Book"/>
-            </a:endParaRPr>
           </a:p>
         </p:txBody>
       </p:sp>
@@ -4242,16 +4251,6 @@
               </a:rPr>
               <a:t>Economics</a:t>
             </a:r>
-            <a:endParaRPr lang="en-US" sz="1200" dirty="0">
-              <a:solidFill>
-                <a:schemeClr val="tx1">
-                  <a:lumMod val="85000"/>
-                  <a:lumOff val="15000"/>
-                </a:schemeClr>
-              </a:solidFill>
-              <a:latin typeface="Avenir Book"/>
-              <a:cs typeface="Avenir Book"/>
-            </a:endParaRPr>
           </a:p>
         </p:txBody>
       </p:sp>
@@ -4303,16 +4302,6 @@
               </a:rPr>
               <a:t>History</a:t>
             </a:r>
-            <a:endParaRPr lang="en-US" sz="1200" dirty="0">
-              <a:solidFill>
-                <a:schemeClr val="tx1">
-                  <a:lumMod val="85000"/>
-                  <a:lumOff val="15000"/>
-                </a:schemeClr>
-              </a:solidFill>
-              <a:latin typeface="Avenir Book"/>
-              <a:cs typeface="Avenir Book"/>
-            </a:endParaRPr>
           </a:p>
         </p:txBody>
       </p:sp>
@@ -4364,16 +4353,6 @@
               </a:rPr>
               <a:t>Geography</a:t>
             </a:r>
-            <a:endParaRPr lang="en-US" sz="1200" dirty="0">
-              <a:solidFill>
-                <a:schemeClr val="tx1">
-                  <a:lumMod val="85000"/>
-                  <a:lumOff val="15000"/>
-                </a:schemeClr>
-              </a:solidFill>
-              <a:latin typeface="Avenir Book"/>
-              <a:cs typeface="Avenir Book"/>
-            </a:endParaRPr>
           </a:p>
         </p:txBody>
       </p:sp>
@@ -4386,7 +4365,7 @@
         <p:spPr>
           <a:xfrm>
             <a:off x="4502902" y="266484"/>
-            <a:ext cx="2080778" cy="497840"/>
+            <a:ext cx="2177298" cy="497840"/>
           </a:xfrm>
           <a:prstGeom prst="rect">
             <a:avLst/>
@@ -4886,7 +4865,7 @@
   <p:timing>
     <p:tnLst>
       <p:par>
-        <p:cTn xmlns:p14="http://schemas.microsoft.com/office/powerpoint/2010/main" id="1" dur="indefinite" restart="never" nodeType="tmRoot"/>
+        <p:cTn id="1" dur="indefinite" restart="never" nodeType="tmRoot"/>
       </p:par>
     </p:tnLst>
   </p:timing>
